--- a/Calendario2021/presentaciones/12_Archivos.pptx
+++ b/Calendario2021/presentaciones/12_Archivos.pptx
@@ -231,7 +231,7 @@
           <a:p>
             <a:fld id="{59C7E2AA-6A4C-4042-9554-ED2A913B287A}" type="datetimeFigureOut">
               <a:rPr lang="es-MX" smtClean="0"/>
-              <a:t>12/10/2020</a:t>
+              <a:t>21/12/2020</a:t>
             </a:fld>
             <a:endParaRPr lang="es-MX" dirty="0"/>
           </a:p>
@@ -3352,7 +3352,7 @@
           <a:p>
             <a:fld id="{BAE3B62E-9D6B-4C41-BFE5-D19C53A0513B}" type="datetimeFigureOut">
               <a:rPr lang="es-MX" smtClean="0"/>
-              <a:t>12/10/2020</a:t>
+              <a:t>21/12/2020</a:t>
             </a:fld>
             <a:endParaRPr lang="es-MX" dirty="0"/>
           </a:p>
@@ -3522,7 +3522,7 @@
           <a:p>
             <a:fld id="{BAE3B62E-9D6B-4C41-BFE5-D19C53A0513B}" type="datetimeFigureOut">
               <a:rPr lang="es-MX" smtClean="0"/>
-              <a:t>12/10/2020</a:t>
+              <a:t>21/12/2020</a:t>
             </a:fld>
             <a:endParaRPr lang="es-MX" dirty="0"/>
           </a:p>
@@ -3702,7 +3702,7 @@
           <a:p>
             <a:fld id="{BAE3B62E-9D6B-4C41-BFE5-D19C53A0513B}" type="datetimeFigureOut">
               <a:rPr lang="es-MX" smtClean="0"/>
-              <a:t>12/10/2020</a:t>
+              <a:t>21/12/2020</a:t>
             </a:fld>
             <a:endParaRPr lang="es-MX" dirty="0"/>
           </a:p>
@@ -3855,7 +3855,7 @@
           <a:p>
             <a:fld id="{1D8BD707-D9CF-40AE-B4C6-C98DA3205C09}" type="datetimeFigureOut">
               <a:rPr lang="en-US" smtClean="0"/>
-              <a:t>10/12/2020</a:t>
+              <a:t>12/21/2020</a:t>
             </a:fld>
             <a:endParaRPr lang="en-US"/>
           </a:p>
@@ -4015,7 +4015,7 @@
           <a:p>
             <a:fld id="{BAE3B62E-9D6B-4C41-BFE5-D19C53A0513B}" type="datetimeFigureOut">
               <a:rPr lang="es-MX" smtClean="0"/>
-              <a:t>12/10/2020</a:t>
+              <a:t>21/12/2020</a:t>
             </a:fld>
             <a:endParaRPr lang="es-MX" dirty="0"/>
           </a:p>
@@ -4261,7 +4261,7 @@
           <a:p>
             <a:fld id="{BAE3B62E-9D6B-4C41-BFE5-D19C53A0513B}" type="datetimeFigureOut">
               <a:rPr lang="es-MX" smtClean="0"/>
-              <a:t>12/10/2020</a:t>
+              <a:t>21/12/2020</a:t>
             </a:fld>
             <a:endParaRPr lang="es-MX" dirty="0"/>
           </a:p>
@@ -4549,7 +4549,7 @@
           <a:p>
             <a:fld id="{BAE3B62E-9D6B-4C41-BFE5-D19C53A0513B}" type="datetimeFigureOut">
               <a:rPr lang="es-MX" smtClean="0"/>
-              <a:t>12/10/2020</a:t>
+              <a:t>21/12/2020</a:t>
             </a:fld>
             <a:endParaRPr lang="es-MX" dirty="0"/>
           </a:p>
@@ -4971,7 +4971,7 @@
           <a:p>
             <a:fld id="{BAE3B62E-9D6B-4C41-BFE5-D19C53A0513B}" type="datetimeFigureOut">
               <a:rPr lang="es-MX" smtClean="0"/>
-              <a:t>12/10/2020</a:t>
+              <a:t>21/12/2020</a:t>
             </a:fld>
             <a:endParaRPr lang="es-MX" dirty="0"/>
           </a:p>
@@ -5089,7 +5089,7 @@
           <a:p>
             <a:fld id="{BAE3B62E-9D6B-4C41-BFE5-D19C53A0513B}" type="datetimeFigureOut">
               <a:rPr lang="es-MX" smtClean="0"/>
-              <a:t>12/10/2020</a:t>
+              <a:t>21/12/2020</a:t>
             </a:fld>
             <a:endParaRPr lang="es-MX" dirty="0"/>
           </a:p>
@@ -5184,7 +5184,7 @@
           <a:p>
             <a:fld id="{BAE3B62E-9D6B-4C41-BFE5-D19C53A0513B}" type="datetimeFigureOut">
               <a:rPr lang="es-MX" smtClean="0"/>
-              <a:t>12/10/2020</a:t>
+              <a:t>21/12/2020</a:t>
             </a:fld>
             <a:endParaRPr lang="es-MX" dirty="0"/>
           </a:p>
@@ -5461,7 +5461,7 @@
           <a:p>
             <a:fld id="{BAE3B62E-9D6B-4C41-BFE5-D19C53A0513B}" type="datetimeFigureOut">
               <a:rPr lang="es-MX" smtClean="0"/>
-              <a:t>12/10/2020</a:t>
+              <a:t>21/12/2020</a:t>
             </a:fld>
             <a:endParaRPr lang="es-MX" dirty="0"/>
           </a:p>
@@ -5714,7 +5714,7 @@
           <a:p>
             <a:fld id="{BAE3B62E-9D6B-4C41-BFE5-D19C53A0513B}" type="datetimeFigureOut">
               <a:rPr lang="es-MX" smtClean="0"/>
-              <a:t>12/10/2020</a:t>
+              <a:t>21/12/2020</a:t>
             </a:fld>
             <a:endParaRPr lang="es-MX" dirty="0"/>
           </a:p>
@@ -5927,7 +5927,7 @@
           <a:p>
             <a:fld id="{BAE3B62E-9D6B-4C41-BFE5-D19C53A0513B}" type="datetimeFigureOut">
               <a:rPr lang="es-MX" smtClean="0"/>
-              <a:t>12/10/2020</a:t>
+              <a:t>21/12/2020</a:t>
             </a:fld>
             <a:endParaRPr lang="es-MX" dirty="0"/>
           </a:p>
@@ -6851,6 +6851,16 @@
             <a:r>
               <a:rPr lang="es-ES" sz="2200" b="1" dirty="0">
                 <a:solidFill>
+                  <a:srgbClr val="FF0000"/>
+                </a:solidFill>
+                <a:latin typeface="Arial" panose="020B0604020202020204" pitchFamily="34" charset="0"/>
+                <a:cs typeface="Arial" panose="020B0604020202020204" pitchFamily="34" charset="0"/>
+              </a:rPr>
+              <a:t> </a:t>
+            </a:r>
+            <a:r>
+              <a:rPr lang="es-ES" sz="2200" b="1" dirty="0">
+                <a:solidFill>
                   <a:schemeClr val="accent4">
                     <a:lumMod val="75000"/>
                   </a:schemeClr>
@@ -6985,6 +6995,16 @@
                 <a:cs typeface="Arial" panose="020B0604020202020204" pitchFamily="34" charset="0"/>
               </a:rPr>
               <a:t>writelines</a:t>
+            </a:r>
+            <a:r>
+              <a:rPr lang="es-ES" sz="2200" b="1" dirty="0">
+                <a:solidFill>
+                  <a:srgbClr val="FF0000"/>
+                </a:solidFill>
+                <a:latin typeface="Arial" panose="020B0604020202020204" pitchFamily="34" charset="0"/>
+                <a:cs typeface="Arial" panose="020B0604020202020204" pitchFamily="34" charset="0"/>
+              </a:rPr>
+              <a:t> </a:t>
             </a:r>
             <a:r>
               <a:rPr lang="es-ES" sz="2200" b="1" dirty="0">
@@ -7381,7 +7401,7 @@
                 <a:latin typeface="Arial" pitchFamily="34" charset="0"/>
                 <a:cs typeface="Arial" pitchFamily="34" charset="0"/>
               </a:rPr>
-              <a:t>()</a:t>
+              <a:t> ()</a:t>
             </a:r>
             <a:endParaRPr lang="es-ES_tradnl" sz="4400" b="1" dirty="0">
               <a:solidFill>
@@ -7506,7 +7526,7 @@
                 <a:latin typeface="Arial" pitchFamily="34" charset="0"/>
                 <a:cs typeface="Arial" pitchFamily="34" charset="0"/>
               </a:rPr>
-              <a:t>open</a:t>
+              <a:t>open </a:t>
             </a:r>
             <a:r>
               <a:rPr lang="es-ES" sz="2400" b="1" dirty="0">
@@ -7566,6 +7586,18 @@
                 <a:cs typeface="Arial" pitchFamily="34" charset="0"/>
               </a:rPr>
               <a:t>writelines</a:t>
+            </a:r>
+            <a:r>
+              <a:rPr lang="es-ES" sz="2400" b="1" dirty="0">
+                <a:solidFill>
+                  <a:schemeClr val="accent6">
+                    <a:lumMod val="75000"/>
+                  </a:schemeClr>
+                </a:solidFill>
+                <a:latin typeface="Arial" pitchFamily="34" charset="0"/>
+                <a:cs typeface="Arial" pitchFamily="34" charset="0"/>
+              </a:rPr>
+              <a:t> </a:t>
             </a:r>
             <a:r>
               <a:rPr lang="es-ES" sz="2400" b="1" dirty="0">
@@ -7824,7 +7856,7 @@
           <a:p>
             <a:pPr algn="ctr"/>
             <a:r>
-              <a:rPr lang="es-MX" dirty="0">
+              <a:rPr lang="es-MX" b="1" dirty="0">
                 <a:solidFill>
                   <a:srgbClr val="0070C0"/>
                 </a:solidFill>
@@ -7833,7 +7865,7 @@
               </a:rPr>
               <a:t>Obtiene todo el contenido del archivo</a:t>
             </a:r>
-            <a:endParaRPr lang="es-MX" dirty="0">
+            <a:endParaRPr lang="es-MX" b="1" dirty="0">
               <a:solidFill>
                 <a:srgbClr val="0070C0"/>
               </a:solidFill>
@@ -8158,7 +8190,7 @@
                 <a:latin typeface="Arial" pitchFamily="34" charset="0"/>
                 <a:cs typeface="Arial" pitchFamily="34" charset="0"/>
               </a:rPr>
-              <a:t>(1)</a:t>
+              <a:t> (1)</a:t>
             </a:r>
             <a:endParaRPr lang="es-ES_tradnl" sz="4400" b="1" dirty="0">
               <a:solidFill>
@@ -8283,7 +8315,7 @@
                 <a:latin typeface="Arial" pitchFamily="34" charset="0"/>
                 <a:cs typeface="Arial" pitchFamily="34" charset="0"/>
               </a:rPr>
-              <a:t>open</a:t>
+              <a:t>open </a:t>
             </a:r>
             <a:r>
               <a:rPr lang="es-ES" sz="2400" b="1" dirty="0">
@@ -8325,6 +8357,18 @@
             </a:r>
             <a:r>
               <a:rPr lang="es-ES" sz="2400" b="1" dirty="0">
+                <a:solidFill>
+                  <a:schemeClr val="accent6">
+                    <a:lumMod val="75000"/>
+                  </a:schemeClr>
+                </a:solidFill>
+                <a:latin typeface="Arial" pitchFamily="34" charset="0"/>
+                <a:cs typeface="Arial" pitchFamily="34" charset="0"/>
+              </a:rPr>
+              <a:t> </a:t>
+            </a:r>
+            <a:r>
+              <a:rPr lang="es-ES" sz="2400" b="1" dirty="0">
                 <a:latin typeface="Arial" pitchFamily="34" charset="0"/>
                 <a:cs typeface="Arial" pitchFamily="34" charset="0"/>
               </a:rPr>
@@ -8417,7 +8461,7 @@
                 <a:latin typeface="Arial" pitchFamily="34" charset="0"/>
                 <a:cs typeface="Arial" pitchFamily="34" charset="0"/>
               </a:rPr>
-              <a:t>(1)</a:t>
+              <a:t> (1)</a:t>
             </a:r>
           </a:p>
           <a:p>
@@ -8559,7 +8603,7 @@
           <a:p>
             <a:pPr algn="ctr"/>
             <a:r>
-              <a:rPr lang="es-MX" dirty="0">
+              <a:rPr lang="es-MX" b="1" dirty="0">
                 <a:solidFill>
                   <a:srgbClr val="0070C0"/>
                 </a:solidFill>
@@ -8569,7 +8613,7 @@
               <a:t>Obtiene el primer </a:t>
             </a:r>
             <a:r>
-              <a:rPr lang="es-MX" dirty="0" err="1">
+              <a:rPr lang="es-MX" b="1" dirty="0" err="1">
                 <a:solidFill>
                   <a:srgbClr val="0070C0"/>
                 </a:solidFill>
@@ -8579,7 +8623,7 @@
               <a:t>caracter</a:t>
             </a:r>
             <a:r>
-              <a:rPr lang="es-MX" dirty="0">
+              <a:rPr lang="es-MX" b="1" dirty="0">
                 <a:solidFill>
                   <a:srgbClr val="0070C0"/>
                 </a:solidFill>
@@ -8588,7 +8632,7 @@
               </a:rPr>
               <a:t> del archivo</a:t>
             </a:r>
-            <a:endParaRPr lang="es-MX" dirty="0">
+            <a:endParaRPr lang="es-MX" b="1" dirty="0">
               <a:solidFill>
                 <a:srgbClr val="0070C0"/>
               </a:solidFill>
@@ -8886,7 +8930,7 @@
                 <a:latin typeface="Arial" pitchFamily="34" charset="0"/>
                 <a:cs typeface="Arial" pitchFamily="34" charset="0"/>
               </a:rPr>
-              <a:t>()</a:t>
+              <a:t> ()</a:t>
             </a:r>
             <a:endParaRPr lang="es-ES_tradnl" sz="4400" b="1" dirty="0">
               <a:solidFill>
@@ -9011,7 +9055,7 @@
                 <a:latin typeface="Arial" pitchFamily="34" charset="0"/>
                 <a:cs typeface="Arial" pitchFamily="34" charset="0"/>
               </a:rPr>
-              <a:t>open</a:t>
+              <a:t>open </a:t>
             </a:r>
             <a:r>
               <a:rPr lang="es-ES" sz="2000" b="1" dirty="0">
@@ -9071,6 +9115,18 @@
                 <a:cs typeface="Arial" pitchFamily="34" charset="0"/>
               </a:rPr>
               <a:t>writelines</a:t>
+            </a:r>
+            <a:r>
+              <a:rPr lang="es-ES" sz="2000" b="1" dirty="0">
+                <a:solidFill>
+                  <a:schemeClr val="accent6">
+                    <a:lumMod val="75000"/>
+                  </a:schemeClr>
+                </a:solidFill>
+                <a:latin typeface="Arial" pitchFamily="34" charset="0"/>
+                <a:cs typeface="Arial" pitchFamily="34" charset="0"/>
+              </a:rPr>
+              <a:t> </a:t>
             </a:r>
             <a:r>
               <a:rPr lang="es-ES" sz="2000" b="1" dirty="0">
@@ -9389,7 +9445,7 @@
           <a:p>
             <a:pPr algn="ctr"/>
             <a:r>
-              <a:rPr lang="es-MX" dirty="0">
+              <a:rPr lang="es-MX" b="1" dirty="0">
                 <a:solidFill>
                   <a:srgbClr val="0070C0"/>
                 </a:solidFill>
@@ -9398,7 +9454,7 @@
               </a:rPr>
               <a:t>Obtiene cada renglón del archivo</a:t>
             </a:r>
-            <a:endParaRPr lang="es-MX" dirty="0">
+            <a:endParaRPr lang="es-MX" b="1" dirty="0">
               <a:solidFill>
                 <a:srgbClr val="0070C0"/>
               </a:solidFill>
@@ -9696,7 +9752,7 @@
                 <a:latin typeface="Arial" pitchFamily="34" charset="0"/>
                 <a:cs typeface="Arial" pitchFamily="34" charset="0"/>
               </a:rPr>
-              <a:t>()</a:t>
+              <a:t> ()</a:t>
             </a:r>
             <a:endParaRPr lang="es-ES_tradnl" sz="4400" b="1" dirty="0">
               <a:solidFill>
@@ -9821,7 +9877,7 @@
                 <a:latin typeface="Arial" pitchFamily="34" charset="0"/>
                 <a:cs typeface="Arial" pitchFamily="34" charset="0"/>
               </a:rPr>
-              <a:t>open</a:t>
+              <a:t>open </a:t>
             </a:r>
             <a:r>
               <a:rPr lang="es-ES" sz="2400" b="1" dirty="0">
@@ -9881,6 +9937,18 @@
                 <a:cs typeface="Arial" pitchFamily="34" charset="0"/>
               </a:rPr>
               <a:t>writelines</a:t>
+            </a:r>
+            <a:r>
+              <a:rPr lang="es-ES" sz="2400" b="1" dirty="0">
+                <a:solidFill>
+                  <a:schemeClr val="accent6">
+                    <a:lumMod val="75000"/>
+                  </a:schemeClr>
+                </a:solidFill>
+                <a:latin typeface="Arial" pitchFamily="34" charset="0"/>
+                <a:cs typeface="Arial" pitchFamily="34" charset="0"/>
+              </a:rPr>
+              <a:t> </a:t>
             </a:r>
             <a:r>
               <a:rPr lang="es-ES" sz="2400" b="1" dirty="0">
@@ -10080,8 +10148,8 @@
         </p:nvSpPr>
         <p:spPr>
           <a:xfrm>
-            <a:off x="5084173" y="3628181"/>
-            <a:ext cx="3376259" cy="646331"/>
+            <a:off x="4844060" y="3510877"/>
+            <a:ext cx="3776359" cy="646331"/>
           </a:xfrm>
           <a:prstGeom prst="rect">
             <a:avLst/>
@@ -10095,7 +10163,7 @@
           <a:p>
             <a:pPr algn="ctr"/>
             <a:r>
-              <a:rPr lang="es-MX" dirty="0">
+              <a:rPr lang="es-MX" b="1" dirty="0">
                 <a:solidFill>
                   <a:srgbClr val="0070C0"/>
                 </a:solidFill>
@@ -10104,7 +10172,7 @@
               </a:rPr>
               <a:t>Obtiene una lista con todas las líneas o renglones del archivo</a:t>
             </a:r>
-            <a:endParaRPr lang="es-MX" dirty="0">
+            <a:endParaRPr lang="es-MX" b="1" dirty="0">
               <a:solidFill>
                 <a:srgbClr val="0070C0"/>
               </a:solidFill>
@@ -10526,7 +10594,7 @@
                   <a:srgbClr val="FF0000"/>
                 </a:solidFill>
               </a:rPr>
-              <a:t>(nombre)</a:t>
+              <a:t> (nombre)</a:t>
             </a:r>
             <a:r>
               <a:rPr lang="es-ES_tradnl" sz="2200" dirty="0">
@@ -11819,6 +11887,16 @@
             <a:r>
               <a:rPr lang="es-ES" sz="2000" b="1" dirty="0">
                 <a:solidFill>
+                  <a:srgbClr val="FF0000"/>
+                </a:solidFill>
+                <a:latin typeface="Arial" pitchFamily="34" charset="0"/>
+                <a:cs typeface="Arial" pitchFamily="34" charset="0"/>
+              </a:rPr>
+              <a:t> </a:t>
+            </a:r>
+            <a:r>
+              <a:rPr lang="es-ES" sz="2000" b="1" dirty="0">
+                <a:solidFill>
                   <a:schemeClr val="bg2">
                     <a:lumMod val="25000"/>
                   </a:schemeClr>
@@ -11876,7 +11954,7 @@
                 <a:latin typeface="Arial" pitchFamily="34" charset="0"/>
                 <a:cs typeface="Arial" pitchFamily="34" charset="0"/>
               </a:rPr>
-              <a:t>open</a:t>
+              <a:t>open </a:t>
             </a:r>
             <a:r>
               <a:rPr lang="es-ES" sz="2000" b="1" dirty="0">
@@ -14991,7 +15069,7 @@
                 <a:latin typeface="Arial" panose="020B0604020202020204" pitchFamily="34" charset="0"/>
                 <a:cs typeface="Arial" pitchFamily="34" charset="0"/>
               </a:rPr>
-              <a:t>escribe_5_frases</a:t>
+              <a:t>escribe_5_frases </a:t>
             </a:r>
             <a:r>
               <a:rPr lang="en-US" sz="2200" b="1" dirty="0">
@@ -15095,7 +15173,7 @@
                 <a:latin typeface="Arial" panose="020B0604020202020204" pitchFamily="34" charset="0"/>
                 <a:cs typeface="Arial" panose="020B0604020202020204" pitchFamily="34" charset="0"/>
               </a:rPr>
-              <a:t>open</a:t>
+              <a:t>open </a:t>
             </a:r>
             <a:r>
               <a:rPr lang="es-MX" sz="2200" b="1" dirty="0">
@@ -15289,6 +15367,18 @@
             <a:r>
               <a:rPr lang="es-MX" sz="2200" b="1" dirty="0">
                 <a:solidFill>
+                  <a:schemeClr val="accent6">
+                    <a:lumMod val="75000"/>
+                  </a:schemeClr>
+                </a:solidFill>
+                <a:latin typeface="Arial" panose="020B0604020202020204" pitchFamily="34" charset="0"/>
+                <a:cs typeface="Arial" panose="020B0604020202020204" pitchFamily="34" charset="0"/>
+              </a:rPr>
+              <a:t> </a:t>
+            </a:r>
+            <a:r>
+              <a:rPr lang="es-MX" sz="2200" b="1" dirty="0">
+                <a:solidFill>
                   <a:schemeClr val="tx1">
                     <a:lumMod val="95000"/>
                     <a:lumOff val="5000"/>
@@ -15337,6 +15427,18 @@
                 <a:cs typeface="Arial" panose="020B0604020202020204" pitchFamily="34" charset="0"/>
               </a:rPr>
               <a:t>write</a:t>
+            </a:r>
+            <a:r>
+              <a:rPr lang="es-MX" sz="2200" b="1" dirty="0">
+                <a:solidFill>
+                  <a:schemeClr val="accent6">
+                    <a:lumMod val="75000"/>
+                  </a:schemeClr>
+                </a:solidFill>
+                <a:latin typeface="Arial" panose="020B0604020202020204" pitchFamily="34" charset="0"/>
+                <a:cs typeface="Arial" panose="020B0604020202020204" pitchFamily="34" charset="0"/>
+              </a:rPr>
+              <a:t> </a:t>
             </a:r>
             <a:r>
               <a:rPr lang="es-MX" sz="2200" b="1" dirty="0">
@@ -16222,6 +16324,16 @@
             <a:r>
               <a:rPr lang="en-US" sz="2000" b="1" dirty="0">
                 <a:solidFill>
+                  <a:srgbClr val="FF0000"/>
+                </a:solidFill>
+                <a:latin typeface="Arial" panose="020B0604020202020204" pitchFamily="34" charset="0"/>
+                <a:cs typeface="Arial" pitchFamily="34" charset="0"/>
+              </a:rPr>
+              <a:t> </a:t>
+            </a:r>
+            <a:r>
+              <a:rPr lang="en-US" sz="2000" b="1" dirty="0">
+                <a:solidFill>
                   <a:schemeClr val="bg2">
                     <a:lumMod val="25000"/>
                   </a:schemeClr>
@@ -16539,7 +16651,33 @@
                 <a:latin typeface="Arial" pitchFamily="34" charset="0"/>
                 <a:cs typeface="Arial" pitchFamily="34" charset="0"/>
               </a:rPr>
-              <a:t>(es fin de </a:t>
+              <a:t>(</a:t>
+            </a:r>
+            <a:r>
+              <a:rPr lang="en-US" sz="2000" dirty="0" err="1">
+                <a:solidFill>
+                  <a:schemeClr val="tx1">
+                    <a:lumMod val="95000"/>
+                    <a:lumOff val="5000"/>
+                  </a:schemeClr>
+                </a:solidFill>
+                <a:latin typeface="Arial" pitchFamily="34" charset="0"/>
+                <a:cs typeface="Arial" pitchFamily="34" charset="0"/>
+              </a:rPr>
+              <a:t>si</a:t>
+            </a:r>
+            <a:r>
+              <a:rPr lang="en-US" sz="2000" dirty="0">
+                <a:solidFill>
+                  <a:schemeClr val="tx1">
+                    <a:lumMod val="95000"/>
+                    <a:lumOff val="5000"/>
+                  </a:schemeClr>
+                </a:solidFill>
+                <a:latin typeface="Arial" pitchFamily="34" charset="0"/>
+                <a:cs typeface="Arial" pitchFamily="34" charset="0"/>
+              </a:rPr>
+              <a:t> es fin de </a:t>
             </a:r>
             <a:r>
               <a:rPr lang="en-US" sz="2000" dirty="0" err="1">
@@ -16986,6 +17124,16 @@
             <a:r>
               <a:rPr lang="en-US" b="1" dirty="0">
                 <a:solidFill>
+                  <a:srgbClr val="FF0000"/>
+                </a:solidFill>
+                <a:latin typeface="Arial" panose="020B0604020202020204" pitchFamily="34" charset="0"/>
+                <a:cs typeface="Arial" pitchFamily="34" charset="0"/>
+              </a:rPr>
+              <a:t> </a:t>
+            </a:r>
+            <a:r>
+              <a:rPr lang="en-US" b="1" dirty="0">
+                <a:solidFill>
                   <a:schemeClr val="tx1">
                     <a:lumMod val="95000"/>
                     <a:lumOff val="5000"/>
@@ -17072,7 +17220,7 @@
                 <a:latin typeface="Arial" panose="020B0604020202020204" pitchFamily="34" charset="0"/>
                 <a:cs typeface="Arial" panose="020B0604020202020204" pitchFamily="34" charset="0"/>
               </a:rPr>
-              <a:t>open</a:t>
+              <a:t>open </a:t>
             </a:r>
             <a:r>
               <a:rPr lang="es-MX" b="1" dirty="0">
@@ -17279,7 +17427,7 @@
                 <a:latin typeface="Arial" pitchFamily="34" charset="0"/>
                 <a:cs typeface="Arial" pitchFamily="34" charset="0"/>
               </a:rPr>
-              <a:t>(1) </a:t>
+              <a:t> (1) </a:t>
             </a:r>
             <a:r>
               <a:rPr lang="en-US" b="1" dirty="0">
@@ -17904,6 +18052,16 @@
                 <a:cs typeface="Arial" pitchFamily="34" charset="0"/>
               </a:rPr>
               <a:t>cuenta_caracteres</a:t>
+            </a:r>
+            <a:r>
+              <a:rPr lang="es-ES" b="1" dirty="0">
+                <a:solidFill>
+                  <a:srgbClr val="FF0000"/>
+                </a:solidFill>
+                <a:latin typeface="Arial" pitchFamily="34" charset="0"/>
+                <a:cs typeface="Arial" pitchFamily="34" charset="0"/>
+              </a:rPr>
+              <a:t> </a:t>
             </a:r>
             <a:r>
               <a:rPr lang="es-ES" b="1" dirty="0">
@@ -23216,7 +23374,7 @@
                 <a:latin typeface="Arial" pitchFamily="34" charset="0"/>
                 <a:cs typeface="Arial" pitchFamily="34" charset="0"/>
               </a:rPr>
-              <a:t>()  </a:t>
+              <a:t> ()  </a:t>
             </a:r>
             <a:r>
               <a:rPr lang="es-ES" sz="2200" dirty="0">
@@ -23260,7 +23418,7 @@
                 <a:latin typeface="Arial" pitchFamily="34" charset="0"/>
                 <a:cs typeface="Arial" pitchFamily="34" charset="0"/>
               </a:rPr>
-              <a:t>(1)  </a:t>
+              <a:t> (1)  </a:t>
             </a:r>
             <a:r>
               <a:rPr lang="es-ES" sz="2200" dirty="0">
@@ -23315,7 +23473,7 @@
                 <a:latin typeface="Arial" pitchFamily="34" charset="0"/>
                 <a:cs typeface="Arial" pitchFamily="34" charset="0"/>
               </a:rPr>
-              <a:t>() </a:t>
+              <a:t> () </a:t>
             </a:r>
             <a:r>
               <a:rPr lang="es-ES" sz="2200" dirty="0">
@@ -23359,7 +23517,7 @@
                 <a:latin typeface="Arial" pitchFamily="34" charset="0"/>
                 <a:cs typeface="Arial" pitchFamily="34" charset="0"/>
               </a:rPr>
-              <a:t>()</a:t>
+              <a:t> ()</a:t>
             </a:r>
             <a:r>
               <a:rPr lang="es-MX" sz="2200" b="1" dirty="0">
